--- a/榮耀大君王(崇拜版).pptx
+++ b/榮耀大君王(崇拜版).pptx
@@ -1,15 +1,15 @@
 
 <file path=ppt/presentation.xml><?xml version="1.0" encoding="utf-8"?>
-<p:presentation xmlns:a="http://schemas.openxmlformats.org/drawingml/2006/main" xmlns:r="http://schemas.openxmlformats.org/officeDocument/2006/relationships" xmlns:p="http://schemas.openxmlformats.org/presentationml/2006/main" saveSubsetFonts="1">
+<p:presentation xmlns:a="http://schemas.openxmlformats.org/drawingml/2006/main" xmlns:r="http://schemas.openxmlformats.org/officeDocument/2006/relationships" xmlns:p="http://schemas.openxmlformats.org/presentationml/2006/main">
   <p:sldMasterIdLst>
-    <p:sldMasterId id="2147483660" r:id="rId1"/>
+    <p:sldMasterId id="2147483648" r:id="rId1"/>
   </p:sldMasterIdLst>
   <p:sldIdLst>
-    <p:sldId id="256" r:id="rId2"/>
-    <p:sldId id="257" r:id="rId3"/>
-    <p:sldId id="258" r:id="rId4"/>
+    <p:sldId id="256" r:id="rId3"/>
+    <p:sldId id="257" r:id="rId4"/>
+    <p:sldId id="258" r:id="rId5"/>
   </p:sldIdLst>
-  <p:sldSz cx="9144000" cy="6858000" type="screen4x3"/>
+  <p:sldSz cx="12192000" cy="6858000"/>
   <p:notesSz cx="6858000" cy="9144000"/>
   <p:defaultTextStyle>
     <a:defPPr>
@@ -138,8 +138,8 @@
         </p:nvSpPr>
         <p:spPr>
           <a:xfrm>
-            <a:off x="685800" y="2130425"/>
-            <a:ext cx="7772400" cy="1470025"/>
+            <a:off x="914400" y="2130425"/>
+            <a:ext cx="10363200" cy="1470025"/>
           </a:xfrm>
         </p:spPr>
         <p:txBody>
@@ -166,8 +166,8 @@
         </p:nvSpPr>
         <p:spPr>
           <a:xfrm>
-            <a:off x="1371600" y="3886200"/>
-            <a:ext cx="6400800" cy="1752600"/>
+            <a:off x="1828800" y="3886200"/>
+            <a:ext cx="8534400" cy="1752600"/>
           </a:xfrm>
         </p:spPr>
         <p:txBody>
@@ -290,7 +290,6 @@
           <a:p>
             <a:fld id="{6D6A4B0A-4540-4A43-86C9-B52EEC3AE043}" type="datetimeFigureOut">
               <a:rPr lang="zh-TW" altLang="en-US" smtClean="0"/>
-              <a:t>2019/3/16</a:t>
             </a:fld>
             <a:endParaRPr lang="zh-TW" altLang="en-US"/>
           </a:p>
@@ -332,7 +331,6 @@
           <a:p>
             <a:fld id="{7665A335-F923-4625-969A-BA804F1738C8}" type="slidenum">
               <a:rPr lang="zh-TW" altLang="en-US" smtClean="0"/>
-              <a:t>‹#›</a:t>
             </a:fld>
             <a:endParaRPr lang="zh-TW" altLang="en-US"/>
           </a:p>
@@ -406,6 +404,7 @@
               <a:rPr lang="zh-TW" altLang="en-US" smtClean="0"/>
               <a:t>按一下以編輯母片文字樣式</a:t>
             </a:r>
+            <a:endParaRPr lang="zh-TW" altLang="en-US" smtClean="0"/>
           </a:p>
           <a:p>
             <a:pPr lvl="1"/>
@@ -413,6 +412,7 @@
               <a:rPr lang="zh-TW" altLang="en-US" smtClean="0"/>
               <a:t>第二層</a:t>
             </a:r>
+            <a:endParaRPr lang="zh-TW" altLang="en-US" smtClean="0"/>
           </a:p>
           <a:p>
             <a:pPr lvl="2"/>
@@ -420,6 +420,7 @@
               <a:rPr lang="zh-TW" altLang="en-US" smtClean="0"/>
               <a:t>第三層</a:t>
             </a:r>
+            <a:endParaRPr lang="zh-TW" altLang="en-US" smtClean="0"/>
           </a:p>
           <a:p>
             <a:pPr lvl="3"/>
@@ -427,6 +428,7 @@
               <a:rPr lang="zh-TW" altLang="en-US" smtClean="0"/>
               <a:t>第四層</a:t>
             </a:r>
+            <a:endParaRPr lang="zh-TW" altLang="en-US" smtClean="0"/>
           </a:p>
           <a:p>
             <a:pPr lvl="4"/>
@@ -455,7 +457,6 @@
           <a:p>
             <a:fld id="{6D6A4B0A-4540-4A43-86C9-B52EEC3AE043}" type="datetimeFigureOut">
               <a:rPr lang="zh-TW" altLang="en-US" smtClean="0"/>
-              <a:t>2019/3/16</a:t>
             </a:fld>
             <a:endParaRPr lang="zh-TW" altLang="en-US"/>
           </a:p>
@@ -497,7 +498,6 @@
           <a:p>
             <a:fld id="{7665A335-F923-4625-969A-BA804F1738C8}" type="slidenum">
               <a:rPr lang="zh-TW" altLang="en-US" smtClean="0"/>
-              <a:t>‹#›</a:t>
             </a:fld>
             <a:endParaRPr lang="zh-TW" altLang="en-US"/>
           </a:p>
@@ -540,8 +540,8 @@
         </p:nvSpPr>
         <p:spPr>
           <a:xfrm>
-            <a:off x="6629400" y="274638"/>
-            <a:ext cx="2057400" cy="5851525"/>
+            <a:off x="8839200" y="274638"/>
+            <a:ext cx="2743200" cy="5851525"/>
           </a:xfrm>
         </p:spPr>
         <p:txBody>
@@ -568,8 +568,8 @@
         </p:nvSpPr>
         <p:spPr>
           <a:xfrm>
-            <a:off x="457200" y="274638"/>
-            <a:ext cx="6019800" cy="5851525"/>
+            <a:off x="609600" y="274638"/>
+            <a:ext cx="8026400" cy="5851525"/>
           </a:xfrm>
         </p:spPr>
         <p:txBody>
@@ -581,6 +581,7 @@
               <a:rPr lang="zh-TW" altLang="en-US" smtClean="0"/>
               <a:t>按一下以編輯母片文字樣式</a:t>
             </a:r>
+            <a:endParaRPr lang="zh-TW" altLang="en-US" smtClean="0"/>
           </a:p>
           <a:p>
             <a:pPr lvl="1"/>
@@ -588,6 +589,7 @@
               <a:rPr lang="zh-TW" altLang="en-US" smtClean="0"/>
               <a:t>第二層</a:t>
             </a:r>
+            <a:endParaRPr lang="zh-TW" altLang="en-US" smtClean="0"/>
           </a:p>
           <a:p>
             <a:pPr lvl="2"/>
@@ -595,6 +597,7 @@
               <a:rPr lang="zh-TW" altLang="en-US" smtClean="0"/>
               <a:t>第三層</a:t>
             </a:r>
+            <a:endParaRPr lang="zh-TW" altLang="en-US" smtClean="0"/>
           </a:p>
           <a:p>
             <a:pPr lvl="3"/>
@@ -602,6 +605,7 @@
               <a:rPr lang="zh-TW" altLang="en-US" smtClean="0"/>
               <a:t>第四層</a:t>
             </a:r>
+            <a:endParaRPr lang="zh-TW" altLang="en-US" smtClean="0"/>
           </a:p>
           <a:p>
             <a:pPr lvl="4"/>
@@ -630,7 +634,6 @@
           <a:p>
             <a:fld id="{6D6A4B0A-4540-4A43-86C9-B52EEC3AE043}" type="datetimeFigureOut">
               <a:rPr lang="zh-TW" altLang="en-US" smtClean="0"/>
-              <a:t>2019/3/16</a:t>
             </a:fld>
             <a:endParaRPr lang="zh-TW" altLang="en-US"/>
           </a:p>
@@ -672,7 +675,6 @@
           <a:p>
             <a:fld id="{7665A335-F923-4625-969A-BA804F1738C8}" type="slidenum">
               <a:rPr lang="zh-TW" altLang="en-US" smtClean="0"/>
-              <a:t>‹#›</a:t>
             </a:fld>
             <a:endParaRPr lang="zh-TW" altLang="en-US"/>
           </a:p>
@@ -746,6 +748,7 @@
               <a:rPr lang="zh-TW" altLang="en-US" smtClean="0"/>
               <a:t>按一下以編輯母片文字樣式</a:t>
             </a:r>
+            <a:endParaRPr lang="zh-TW" altLang="en-US" smtClean="0"/>
           </a:p>
           <a:p>
             <a:pPr lvl="1"/>
@@ -753,6 +756,7 @@
               <a:rPr lang="zh-TW" altLang="en-US" smtClean="0"/>
               <a:t>第二層</a:t>
             </a:r>
+            <a:endParaRPr lang="zh-TW" altLang="en-US" smtClean="0"/>
           </a:p>
           <a:p>
             <a:pPr lvl="2"/>
@@ -760,6 +764,7 @@
               <a:rPr lang="zh-TW" altLang="en-US" smtClean="0"/>
               <a:t>第三層</a:t>
             </a:r>
+            <a:endParaRPr lang="zh-TW" altLang="en-US" smtClean="0"/>
           </a:p>
           <a:p>
             <a:pPr lvl="3"/>
@@ -767,6 +772,7 @@
               <a:rPr lang="zh-TW" altLang="en-US" smtClean="0"/>
               <a:t>第四層</a:t>
             </a:r>
+            <a:endParaRPr lang="zh-TW" altLang="en-US" smtClean="0"/>
           </a:p>
           <a:p>
             <a:pPr lvl="4"/>
@@ -795,7 +801,6 @@
           <a:p>
             <a:fld id="{6D6A4B0A-4540-4A43-86C9-B52EEC3AE043}" type="datetimeFigureOut">
               <a:rPr lang="zh-TW" altLang="en-US" smtClean="0"/>
-              <a:t>2019/3/16</a:t>
             </a:fld>
             <a:endParaRPr lang="zh-TW" altLang="en-US"/>
           </a:p>
@@ -837,7 +842,6 @@
           <a:p>
             <a:fld id="{7665A335-F923-4625-969A-BA804F1738C8}" type="slidenum">
               <a:rPr lang="zh-TW" altLang="en-US" smtClean="0"/>
-              <a:t>‹#›</a:t>
             </a:fld>
             <a:endParaRPr lang="zh-TW" altLang="en-US"/>
           </a:p>
@@ -880,8 +884,8 @@
         </p:nvSpPr>
         <p:spPr>
           <a:xfrm>
-            <a:off x="722313" y="4406900"/>
-            <a:ext cx="7772400" cy="1362075"/>
+            <a:off x="963084" y="4406900"/>
+            <a:ext cx="10363200" cy="1362075"/>
           </a:xfrm>
         </p:spPr>
         <p:txBody>
@@ -912,8 +916,8 @@
         </p:nvSpPr>
         <p:spPr>
           <a:xfrm>
-            <a:off x="722313" y="2906713"/>
-            <a:ext cx="7772400" cy="1500187"/>
+            <a:off x="963084" y="2906713"/>
+            <a:ext cx="10363200" cy="1500187"/>
           </a:xfrm>
         </p:spPr>
         <p:txBody>
@@ -1016,6 +1020,7 @@
               <a:rPr lang="zh-TW" altLang="en-US" smtClean="0"/>
               <a:t>按一下以編輯母片文字樣式</a:t>
             </a:r>
+            <a:endParaRPr lang="zh-TW" altLang="en-US" smtClean="0"/>
           </a:p>
         </p:txBody>
       </p:sp>
@@ -1036,7 +1041,6 @@
           <a:p>
             <a:fld id="{6D6A4B0A-4540-4A43-86C9-B52EEC3AE043}" type="datetimeFigureOut">
               <a:rPr lang="zh-TW" altLang="en-US" smtClean="0"/>
-              <a:t>2019/3/16</a:t>
             </a:fld>
             <a:endParaRPr lang="zh-TW" altLang="en-US"/>
           </a:p>
@@ -1078,7 +1082,6 @@
           <a:p>
             <a:fld id="{7665A335-F923-4625-969A-BA804F1738C8}" type="slidenum">
               <a:rPr lang="zh-TW" altLang="en-US" smtClean="0"/>
-              <a:t>‹#›</a:t>
             </a:fld>
             <a:endParaRPr lang="zh-TW" altLang="en-US"/>
           </a:p>
@@ -1144,8 +1147,8 @@
         </p:nvSpPr>
         <p:spPr>
           <a:xfrm>
-            <a:off x="457200" y="1600200"/>
-            <a:ext cx="4038600" cy="4525963"/>
+            <a:off x="609600" y="1600200"/>
+            <a:ext cx="5384800" cy="4525963"/>
           </a:xfrm>
         </p:spPr>
         <p:txBody>
@@ -1185,6 +1188,7 @@
               <a:rPr lang="zh-TW" altLang="en-US" smtClean="0"/>
               <a:t>按一下以編輯母片文字樣式</a:t>
             </a:r>
+            <a:endParaRPr lang="zh-TW" altLang="en-US" smtClean="0"/>
           </a:p>
           <a:p>
             <a:pPr lvl="1"/>
@@ -1192,6 +1196,7 @@
               <a:rPr lang="zh-TW" altLang="en-US" smtClean="0"/>
               <a:t>第二層</a:t>
             </a:r>
+            <a:endParaRPr lang="zh-TW" altLang="en-US" smtClean="0"/>
           </a:p>
           <a:p>
             <a:pPr lvl="2"/>
@@ -1199,6 +1204,7 @@
               <a:rPr lang="zh-TW" altLang="en-US" smtClean="0"/>
               <a:t>第三層</a:t>
             </a:r>
+            <a:endParaRPr lang="zh-TW" altLang="en-US" smtClean="0"/>
           </a:p>
           <a:p>
             <a:pPr lvl="3"/>
@@ -1206,6 +1212,7 @@
               <a:rPr lang="zh-TW" altLang="en-US" smtClean="0"/>
               <a:t>第四層</a:t>
             </a:r>
+            <a:endParaRPr lang="zh-TW" altLang="en-US" smtClean="0"/>
           </a:p>
           <a:p>
             <a:pPr lvl="4"/>
@@ -1229,8 +1236,8 @@
         </p:nvSpPr>
         <p:spPr>
           <a:xfrm>
-            <a:off x="4648200" y="1600200"/>
-            <a:ext cx="4038600" cy="4525963"/>
+            <a:off x="6197600" y="1600200"/>
+            <a:ext cx="5384800" cy="4525963"/>
           </a:xfrm>
         </p:spPr>
         <p:txBody>
@@ -1270,6 +1277,7 @@
               <a:rPr lang="zh-TW" altLang="en-US" smtClean="0"/>
               <a:t>按一下以編輯母片文字樣式</a:t>
             </a:r>
+            <a:endParaRPr lang="zh-TW" altLang="en-US" smtClean="0"/>
           </a:p>
           <a:p>
             <a:pPr lvl="1"/>
@@ -1277,6 +1285,7 @@
               <a:rPr lang="zh-TW" altLang="en-US" smtClean="0"/>
               <a:t>第二層</a:t>
             </a:r>
+            <a:endParaRPr lang="zh-TW" altLang="en-US" smtClean="0"/>
           </a:p>
           <a:p>
             <a:pPr lvl="2"/>
@@ -1284,6 +1293,7 @@
               <a:rPr lang="zh-TW" altLang="en-US" smtClean="0"/>
               <a:t>第三層</a:t>
             </a:r>
+            <a:endParaRPr lang="zh-TW" altLang="en-US" smtClean="0"/>
           </a:p>
           <a:p>
             <a:pPr lvl="3"/>
@@ -1291,6 +1301,7 @@
               <a:rPr lang="zh-TW" altLang="en-US" smtClean="0"/>
               <a:t>第四層</a:t>
             </a:r>
+            <a:endParaRPr lang="zh-TW" altLang="en-US" smtClean="0"/>
           </a:p>
           <a:p>
             <a:pPr lvl="4"/>
@@ -1319,7 +1330,6 @@
           <a:p>
             <a:fld id="{6D6A4B0A-4540-4A43-86C9-B52EEC3AE043}" type="datetimeFigureOut">
               <a:rPr lang="zh-TW" altLang="en-US" smtClean="0"/>
-              <a:t>2019/3/16</a:t>
             </a:fld>
             <a:endParaRPr lang="zh-TW" altLang="en-US"/>
           </a:p>
@@ -1361,7 +1371,6 @@
           <a:p>
             <a:fld id="{7665A335-F923-4625-969A-BA804F1738C8}" type="slidenum">
               <a:rPr lang="zh-TW" altLang="en-US" smtClean="0"/>
-              <a:t>‹#›</a:t>
             </a:fld>
             <a:endParaRPr lang="zh-TW" altLang="en-US"/>
           </a:p>
@@ -1431,8 +1440,8 @@
         </p:nvSpPr>
         <p:spPr>
           <a:xfrm>
-            <a:off x="457200" y="1535113"/>
-            <a:ext cx="4040188" cy="639762"/>
+            <a:off x="609600" y="1535113"/>
+            <a:ext cx="5386917" cy="639762"/>
           </a:xfrm>
         </p:spPr>
         <p:txBody>
@@ -1481,6 +1490,7 @@
               <a:rPr lang="zh-TW" altLang="en-US" smtClean="0"/>
               <a:t>按一下以編輯母片文字樣式</a:t>
             </a:r>
+            <a:endParaRPr lang="zh-TW" altLang="en-US" smtClean="0"/>
           </a:p>
         </p:txBody>
       </p:sp>
@@ -1496,8 +1506,8 @@
         </p:nvSpPr>
         <p:spPr>
           <a:xfrm>
-            <a:off x="457200" y="2174875"/>
-            <a:ext cx="4040188" cy="3951288"/>
+            <a:off x="609600" y="2174875"/>
+            <a:ext cx="5386917" cy="3951288"/>
           </a:xfrm>
         </p:spPr>
         <p:txBody>
@@ -1537,6 +1547,7 @@
               <a:rPr lang="zh-TW" altLang="en-US" smtClean="0"/>
               <a:t>按一下以編輯母片文字樣式</a:t>
             </a:r>
+            <a:endParaRPr lang="zh-TW" altLang="en-US" smtClean="0"/>
           </a:p>
           <a:p>
             <a:pPr lvl="1"/>
@@ -1544,6 +1555,7 @@
               <a:rPr lang="zh-TW" altLang="en-US" smtClean="0"/>
               <a:t>第二層</a:t>
             </a:r>
+            <a:endParaRPr lang="zh-TW" altLang="en-US" smtClean="0"/>
           </a:p>
           <a:p>
             <a:pPr lvl="2"/>
@@ -1551,6 +1563,7 @@
               <a:rPr lang="zh-TW" altLang="en-US" smtClean="0"/>
               <a:t>第三層</a:t>
             </a:r>
+            <a:endParaRPr lang="zh-TW" altLang="en-US" smtClean="0"/>
           </a:p>
           <a:p>
             <a:pPr lvl="3"/>
@@ -1558,6 +1571,7 @@
               <a:rPr lang="zh-TW" altLang="en-US" smtClean="0"/>
               <a:t>第四層</a:t>
             </a:r>
+            <a:endParaRPr lang="zh-TW" altLang="en-US" smtClean="0"/>
           </a:p>
           <a:p>
             <a:pPr lvl="4"/>
@@ -1581,8 +1595,8 @@
         </p:nvSpPr>
         <p:spPr>
           <a:xfrm>
-            <a:off x="4645025" y="1535113"/>
-            <a:ext cx="4041775" cy="639762"/>
+            <a:off x="6193367" y="1535113"/>
+            <a:ext cx="5389033" cy="639762"/>
           </a:xfrm>
         </p:spPr>
         <p:txBody>
@@ -1631,6 +1645,7 @@
               <a:rPr lang="zh-TW" altLang="en-US" smtClean="0"/>
               <a:t>按一下以編輯母片文字樣式</a:t>
             </a:r>
+            <a:endParaRPr lang="zh-TW" altLang="en-US" smtClean="0"/>
           </a:p>
         </p:txBody>
       </p:sp>
@@ -1646,8 +1661,8 @@
         </p:nvSpPr>
         <p:spPr>
           <a:xfrm>
-            <a:off x="4645025" y="2174875"/>
-            <a:ext cx="4041775" cy="3951288"/>
+            <a:off x="6193367" y="2174875"/>
+            <a:ext cx="5389033" cy="3951288"/>
           </a:xfrm>
         </p:spPr>
         <p:txBody>
@@ -1687,6 +1702,7 @@
               <a:rPr lang="zh-TW" altLang="en-US" smtClean="0"/>
               <a:t>按一下以編輯母片文字樣式</a:t>
             </a:r>
+            <a:endParaRPr lang="zh-TW" altLang="en-US" smtClean="0"/>
           </a:p>
           <a:p>
             <a:pPr lvl="1"/>
@@ -1694,6 +1710,7 @@
               <a:rPr lang="zh-TW" altLang="en-US" smtClean="0"/>
               <a:t>第二層</a:t>
             </a:r>
+            <a:endParaRPr lang="zh-TW" altLang="en-US" smtClean="0"/>
           </a:p>
           <a:p>
             <a:pPr lvl="2"/>
@@ -1701,6 +1718,7 @@
               <a:rPr lang="zh-TW" altLang="en-US" smtClean="0"/>
               <a:t>第三層</a:t>
             </a:r>
+            <a:endParaRPr lang="zh-TW" altLang="en-US" smtClean="0"/>
           </a:p>
           <a:p>
             <a:pPr lvl="3"/>
@@ -1708,6 +1726,7 @@
               <a:rPr lang="zh-TW" altLang="en-US" smtClean="0"/>
               <a:t>第四層</a:t>
             </a:r>
+            <a:endParaRPr lang="zh-TW" altLang="en-US" smtClean="0"/>
           </a:p>
           <a:p>
             <a:pPr lvl="4"/>
@@ -1736,7 +1755,6 @@
           <a:p>
             <a:fld id="{6D6A4B0A-4540-4A43-86C9-B52EEC3AE043}" type="datetimeFigureOut">
               <a:rPr lang="zh-TW" altLang="en-US" smtClean="0"/>
-              <a:t>2019/3/16</a:t>
             </a:fld>
             <a:endParaRPr lang="zh-TW" altLang="en-US"/>
           </a:p>
@@ -1778,7 +1796,6 @@
           <a:p>
             <a:fld id="{7665A335-F923-4625-969A-BA804F1738C8}" type="slidenum">
               <a:rPr lang="zh-TW" altLang="en-US" smtClean="0"/>
-              <a:t>‹#›</a:t>
             </a:fld>
             <a:endParaRPr lang="zh-TW" altLang="en-US"/>
           </a:p>
@@ -1849,7 +1866,6 @@
           <a:p>
             <a:fld id="{6D6A4B0A-4540-4A43-86C9-B52EEC3AE043}" type="datetimeFigureOut">
               <a:rPr lang="zh-TW" altLang="en-US" smtClean="0"/>
-              <a:t>2019/3/16</a:t>
             </a:fld>
             <a:endParaRPr lang="zh-TW" altLang="en-US"/>
           </a:p>
@@ -1891,7 +1907,6 @@
           <a:p>
             <a:fld id="{7665A335-F923-4625-969A-BA804F1738C8}" type="slidenum">
               <a:rPr lang="zh-TW" altLang="en-US" smtClean="0"/>
-              <a:t>‹#›</a:t>
             </a:fld>
             <a:endParaRPr lang="zh-TW" altLang="en-US"/>
           </a:p>
@@ -1939,7 +1954,6 @@
           <a:p>
             <a:fld id="{6D6A4B0A-4540-4A43-86C9-B52EEC3AE043}" type="datetimeFigureOut">
               <a:rPr lang="zh-TW" altLang="en-US" smtClean="0"/>
-              <a:t>2019/3/16</a:t>
             </a:fld>
             <a:endParaRPr lang="zh-TW" altLang="en-US"/>
           </a:p>
@@ -1981,7 +1995,6 @@
           <a:p>
             <a:fld id="{7665A335-F923-4625-969A-BA804F1738C8}" type="slidenum">
               <a:rPr lang="zh-TW" altLang="en-US" smtClean="0"/>
-              <a:t>‹#›</a:t>
             </a:fld>
             <a:endParaRPr lang="zh-TW" altLang="en-US"/>
           </a:p>
@@ -2024,8 +2037,8 @@
         </p:nvSpPr>
         <p:spPr>
           <a:xfrm>
-            <a:off x="457200" y="273050"/>
-            <a:ext cx="3008313" cy="1162050"/>
+            <a:off x="609600" y="273050"/>
+            <a:ext cx="4011084" cy="1162050"/>
           </a:xfrm>
         </p:spPr>
         <p:txBody>
@@ -2056,8 +2069,8 @@
         </p:nvSpPr>
         <p:spPr>
           <a:xfrm>
-            <a:off x="3575050" y="273050"/>
-            <a:ext cx="5111750" cy="5853113"/>
+            <a:off x="4766733" y="273050"/>
+            <a:ext cx="6815667" cy="5853113"/>
           </a:xfrm>
         </p:spPr>
         <p:txBody>
@@ -2097,6 +2110,7 @@
               <a:rPr lang="zh-TW" altLang="en-US" smtClean="0"/>
               <a:t>按一下以編輯母片文字樣式</a:t>
             </a:r>
+            <a:endParaRPr lang="zh-TW" altLang="en-US" smtClean="0"/>
           </a:p>
           <a:p>
             <a:pPr lvl="1"/>
@@ -2104,6 +2118,7 @@
               <a:rPr lang="zh-TW" altLang="en-US" smtClean="0"/>
               <a:t>第二層</a:t>
             </a:r>
+            <a:endParaRPr lang="zh-TW" altLang="en-US" smtClean="0"/>
           </a:p>
           <a:p>
             <a:pPr lvl="2"/>
@@ -2111,6 +2126,7 @@
               <a:rPr lang="zh-TW" altLang="en-US" smtClean="0"/>
               <a:t>第三層</a:t>
             </a:r>
+            <a:endParaRPr lang="zh-TW" altLang="en-US" smtClean="0"/>
           </a:p>
           <a:p>
             <a:pPr lvl="3"/>
@@ -2118,6 +2134,7 @@
               <a:rPr lang="zh-TW" altLang="en-US" smtClean="0"/>
               <a:t>第四層</a:t>
             </a:r>
+            <a:endParaRPr lang="zh-TW" altLang="en-US" smtClean="0"/>
           </a:p>
           <a:p>
             <a:pPr lvl="4"/>
@@ -2141,8 +2158,8 @@
         </p:nvSpPr>
         <p:spPr>
           <a:xfrm>
-            <a:off x="457200" y="1435100"/>
-            <a:ext cx="3008313" cy="4691063"/>
+            <a:off x="609600" y="1435100"/>
+            <a:ext cx="4011084" cy="4691063"/>
           </a:xfrm>
         </p:spPr>
         <p:txBody>
@@ -2191,6 +2208,7 @@
               <a:rPr lang="zh-TW" altLang="en-US" smtClean="0"/>
               <a:t>按一下以編輯母片文字樣式</a:t>
             </a:r>
+            <a:endParaRPr lang="zh-TW" altLang="en-US" smtClean="0"/>
           </a:p>
         </p:txBody>
       </p:sp>
@@ -2211,7 +2229,6 @@
           <a:p>
             <a:fld id="{6D6A4B0A-4540-4A43-86C9-B52EEC3AE043}" type="datetimeFigureOut">
               <a:rPr lang="zh-TW" altLang="en-US" smtClean="0"/>
-              <a:t>2019/3/16</a:t>
             </a:fld>
             <a:endParaRPr lang="zh-TW" altLang="en-US"/>
           </a:p>
@@ -2253,7 +2270,6 @@
           <a:p>
             <a:fld id="{7665A335-F923-4625-969A-BA804F1738C8}" type="slidenum">
               <a:rPr lang="zh-TW" altLang="en-US" smtClean="0"/>
-              <a:t>‹#›</a:t>
             </a:fld>
             <a:endParaRPr lang="zh-TW" altLang="en-US"/>
           </a:p>
@@ -2296,8 +2312,8 @@
         </p:nvSpPr>
         <p:spPr>
           <a:xfrm>
-            <a:off x="1792288" y="4800600"/>
-            <a:ext cx="5486400" cy="566738"/>
+            <a:off x="2389717" y="4800600"/>
+            <a:ext cx="7315200" cy="566738"/>
           </a:xfrm>
         </p:spPr>
         <p:txBody>
@@ -2328,8 +2344,8 @@
         </p:nvSpPr>
         <p:spPr>
           <a:xfrm>
-            <a:off x="1792288" y="612775"/>
-            <a:ext cx="5486400" cy="4114800"/>
+            <a:off x="2389717" y="612775"/>
+            <a:ext cx="7315200" cy="4114800"/>
           </a:xfrm>
         </p:spPr>
         <p:txBody>
@@ -2393,8 +2409,8 @@
         </p:nvSpPr>
         <p:spPr>
           <a:xfrm>
-            <a:off x="1792288" y="5367338"/>
-            <a:ext cx="5486400" cy="804862"/>
+            <a:off x="2389717" y="5367338"/>
+            <a:ext cx="7315200" cy="804862"/>
           </a:xfrm>
         </p:spPr>
         <p:txBody>
@@ -2443,6 +2459,7 @@
               <a:rPr lang="zh-TW" altLang="en-US" smtClean="0"/>
               <a:t>按一下以編輯母片文字樣式</a:t>
             </a:r>
+            <a:endParaRPr lang="zh-TW" altLang="en-US" smtClean="0"/>
           </a:p>
         </p:txBody>
       </p:sp>
@@ -2463,7 +2480,6 @@
           <a:p>
             <a:fld id="{6D6A4B0A-4540-4A43-86C9-B52EEC3AE043}" type="datetimeFigureOut">
               <a:rPr lang="zh-TW" altLang="en-US" smtClean="0"/>
-              <a:t>2019/3/16</a:t>
             </a:fld>
             <a:endParaRPr lang="zh-TW" altLang="en-US"/>
           </a:p>
@@ -2505,7 +2521,6 @@
           <a:p>
             <a:fld id="{7665A335-F923-4625-969A-BA804F1738C8}" type="slidenum">
               <a:rPr lang="zh-TW" altLang="en-US" smtClean="0"/>
-              <a:t>‹#›</a:t>
             </a:fld>
             <a:endParaRPr lang="zh-TW" altLang="en-US"/>
           </a:p>
@@ -2525,7 +2540,7 @@
     <p:bg>
       <p:bgPr>
         <a:blipFill dpi="0" rotWithShape="1">
-          <a:blip r:embed="rId13"/>
+          <a:blip r:embed="rId12"/>
           <a:srcRect/>
           <a:tile tx="0" ty="0" sx="100000" sy="100000" flip="none" algn="tl"/>
         </a:blipFill>
@@ -2558,8 +2573,8 @@
         </p:nvSpPr>
         <p:spPr>
           <a:xfrm>
-            <a:off x="457200" y="274638"/>
-            <a:ext cx="8229600" cy="1143000"/>
+            <a:off x="609600" y="274638"/>
+            <a:ext cx="10972800" cy="1143000"/>
           </a:xfrm>
           <a:prstGeom prst="rect">
             <a:avLst/>
@@ -2591,8 +2606,8 @@
         </p:nvSpPr>
         <p:spPr>
           <a:xfrm>
-            <a:off x="457200" y="1600200"/>
-            <a:ext cx="8229600" cy="4525963"/>
+            <a:off x="609600" y="1600200"/>
+            <a:ext cx="10972800" cy="4525963"/>
           </a:xfrm>
           <a:prstGeom prst="rect">
             <a:avLst/>
@@ -2609,6 +2624,7 @@
               <a:rPr lang="zh-TW" altLang="en-US" smtClean="0"/>
               <a:t>按一下以編輯母片文字樣式</a:t>
             </a:r>
+            <a:endParaRPr lang="zh-TW" altLang="en-US" smtClean="0"/>
           </a:p>
           <a:p>
             <a:pPr lvl="1"/>
@@ -2616,6 +2632,7 @@
               <a:rPr lang="zh-TW" altLang="en-US" smtClean="0"/>
               <a:t>第二層</a:t>
             </a:r>
+            <a:endParaRPr lang="zh-TW" altLang="en-US" smtClean="0"/>
           </a:p>
           <a:p>
             <a:pPr lvl="2"/>
@@ -2623,6 +2640,7 @@
               <a:rPr lang="zh-TW" altLang="en-US" smtClean="0"/>
               <a:t>第三層</a:t>
             </a:r>
+            <a:endParaRPr lang="zh-TW" altLang="en-US" smtClean="0"/>
           </a:p>
           <a:p>
             <a:pPr lvl="3"/>
@@ -2630,6 +2648,7 @@
               <a:rPr lang="zh-TW" altLang="en-US" smtClean="0"/>
               <a:t>第四層</a:t>
             </a:r>
+            <a:endParaRPr lang="zh-TW" altLang="en-US" smtClean="0"/>
           </a:p>
           <a:p>
             <a:pPr lvl="4"/>
@@ -2653,8 +2672,8 @@
         </p:nvSpPr>
         <p:spPr>
           <a:xfrm>
-            <a:off x="457200" y="6356350"/>
-            <a:ext cx="2133600" cy="365125"/>
+            <a:off x="609600" y="6356350"/>
+            <a:ext cx="2844800" cy="365125"/>
           </a:xfrm>
           <a:prstGeom prst="rect">
             <a:avLst/>
@@ -2676,7 +2695,6 @@
           <a:p>
             <a:fld id="{6D6A4B0A-4540-4A43-86C9-B52EEC3AE043}" type="datetimeFigureOut">
               <a:rPr lang="zh-TW" altLang="en-US" smtClean="0"/>
-              <a:t>2019/3/16</a:t>
             </a:fld>
             <a:endParaRPr lang="zh-TW" altLang="en-US"/>
           </a:p>
@@ -2694,8 +2712,8 @@
         </p:nvSpPr>
         <p:spPr>
           <a:xfrm>
-            <a:off x="3124200" y="6356350"/>
-            <a:ext cx="2895600" cy="365125"/>
+            <a:off x="4165600" y="6356350"/>
+            <a:ext cx="3860800" cy="365125"/>
           </a:xfrm>
           <a:prstGeom prst="rect">
             <a:avLst/>
@@ -2731,8 +2749,8 @@
         </p:nvSpPr>
         <p:spPr>
           <a:xfrm>
-            <a:off x="6553200" y="6356350"/>
-            <a:ext cx="2133600" cy="365125"/>
+            <a:off x="8737600" y="6356350"/>
+            <a:ext cx="2844800" cy="365125"/>
           </a:xfrm>
           <a:prstGeom prst="rect">
             <a:avLst/>
@@ -2754,7 +2772,6 @@
           <a:p>
             <a:fld id="{7665A335-F923-4625-969A-BA804F1738C8}" type="slidenum">
               <a:rPr lang="zh-TW" altLang="en-US" smtClean="0"/>
-              <a:t>‹#›</a:t>
             </a:fld>
             <a:endParaRPr lang="zh-TW" altLang="en-US"/>
           </a:p>
@@ -2764,17 +2781,17 @@
   </p:cSld>
   <p:clrMap bg1="lt1" tx1="dk1" bg2="lt2" tx2="dk2" accent1="accent1" accent2="accent2" accent3="accent3" accent4="accent4" accent5="accent5" accent6="accent6" hlink="hlink" folHlink="folHlink"/>
   <p:sldLayoutIdLst>
-    <p:sldLayoutId id="2147483661" r:id="rId1"/>
-    <p:sldLayoutId id="2147483662" r:id="rId2"/>
-    <p:sldLayoutId id="2147483663" r:id="rId3"/>
-    <p:sldLayoutId id="2147483664" r:id="rId4"/>
-    <p:sldLayoutId id="2147483665" r:id="rId5"/>
-    <p:sldLayoutId id="2147483666" r:id="rId6"/>
-    <p:sldLayoutId id="2147483667" r:id="rId7"/>
-    <p:sldLayoutId id="2147483668" r:id="rId8"/>
-    <p:sldLayoutId id="2147483669" r:id="rId9"/>
-    <p:sldLayoutId id="2147483670" r:id="rId10"/>
-    <p:sldLayoutId id="2147483671" r:id="rId11"/>
+    <p:sldLayoutId id="2147483649" r:id="rId1"/>
+    <p:sldLayoutId id="2147483650" r:id="rId2"/>
+    <p:sldLayoutId id="2147483651" r:id="rId3"/>
+    <p:sldLayoutId id="2147483652" r:id="rId4"/>
+    <p:sldLayoutId id="2147483653" r:id="rId5"/>
+    <p:sldLayoutId id="2147483654" r:id="rId6"/>
+    <p:sldLayoutId id="2147483655" r:id="rId7"/>
+    <p:sldLayoutId id="2147483656" r:id="rId8"/>
+    <p:sldLayoutId id="2147483657" r:id="rId9"/>
+    <p:sldLayoutId id="2147483658" r:id="rId10"/>
+    <p:sldLayoutId id="2147483659" r:id="rId11"/>
   </p:sldLayoutIdLst>
   <p:txStyles>
     <p:titleStyle>
@@ -2798,7 +2815,7 @@
         <a:spcBef>
           <a:spcPct val="20000"/>
         </a:spcBef>
-        <a:buFont typeface="Arial" pitchFamily="34" charset="0"/>
+        <a:buFont typeface="Arial" panose="02080604020202020204" pitchFamily="34" charset="0"/>
         <a:buChar char="•"/>
         <a:defRPr sz="3200" kern="1200">
           <a:solidFill>
@@ -2813,7 +2830,7 @@
         <a:spcBef>
           <a:spcPct val="20000"/>
         </a:spcBef>
-        <a:buFont typeface="Arial" pitchFamily="34" charset="0"/>
+        <a:buFont typeface="Arial" panose="02080604020202020204" pitchFamily="34" charset="0"/>
         <a:buChar char="–"/>
         <a:defRPr sz="2800" kern="1200">
           <a:solidFill>
@@ -2828,7 +2845,7 @@
         <a:spcBef>
           <a:spcPct val="20000"/>
         </a:spcBef>
-        <a:buFont typeface="Arial" pitchFamily="34" charset="0"/>
+        <a:buFont typeface="Arial" panose="02080604020202020204" pitchFamily="34" charset="0"/>
         <a:buChar char="•"/>
         <a:defRPr sz="2400" kern="1200">
           <a:solidFill>
@@ -2843,7 +2860,7 @@
         <a:spcBef>
           <a:spcPct val="20000"/>
         </a:spcBef>
-        <a:buFont typeface="Arial" pitchFamily="34" charset="0"/>
+        <a:buFont typeface="Arial" panose="02080604020202020204" pitchFamily="34" charset="0"/>
         <a:buChar char="–"/>
         <a:defRPr sz="2000" kern="1200">
           <a:solidFill>
@@ -2858,7 +2875,7 @@
         <a:spcBef>
           <a:spcPct val="20000"/>
         </a:spcBef>
-        <a:buFont typeface="Arial" pitchFamily="34" charset="0"/>
+        <a:buFont typeface="Arial" panose="02080604020202020204" pitchFamily="34" charset="0"/>
         <a:buChar char="»"/>
         <a:defRPr sz="2000" kern="1200">
           <a:solidFill>
@@ -2873,7 +2890,7 @@
         <a:spcBef>
           <a:spcPct val="20000"/>
         </a:spcBef>
-        <a:buFont typeface="Arial" pitchFamily="34" charset="0"/>
+        <a:buFont typeface="Arial" panose="02080604020202020204" pitchFamily="34" charset="0"/>
         <a:buChar char="•"/>
         <a:defRPr sz="2000" kern="1200">
           <a:solidFill>
@@ -2888,7 +2905,7 @@
         <a:spcBef>
           <a:spcPct val="20000"/>
         </a:spcBef>
-        <a:buFont typeface="Arial" pitchFamily="34" charset="0"/>
+        <a:buFont typeface="Arial" panose="02080604020202020204" pitchFamily="34" charset="0"/>
         <a:buChar char="•"/>
         <a:defRPr sz="2000" kern="1200">
           <a:solidFill>
@@ -2903,7 +2920,7 @@
         <a:spcBef>
           <a:spcPct val="20000"/>
         </a:spcBef>
-        <a:buFont typeface="Arial" pitchFamily="34" charset="0"/>
+        <a:buFont typeface="Arial" panose="02080604020202020204" pitchFamily="34" charset="0"/>
         <a:buChar char="•"/>
         <a:defRPr sz="2000" kern="1200">
           <a:solidFill>
@@ -2918,7 +2935,7 @@
         <a:spcBef>
           <a:spcPct val="20000"/>
         </a:spcBef>
-        <a:buFont typeface="Arial" pitchFamily="34" charset="0"/>
+        <a:buFont typeface="Arial" panose="02080604020202020204" pitchFamily="34" charset="0"/>
         <a:buChar char="•"/>
         <a:defRPr sz="2000" kern="1200">
           <a:solidFill>
@@ -3109,8 +3126,20 @@
                 <a:latin typeface="微軟正黑體" pitchFamily="34" charset="-120"/>
                 <a:ea typeface="微軟正黑體" pitchFamily="34" charset="-120"/>
               </a:rPr>
-              <a:t>將祢的光照亮在我們</a:t>
-            </a:r>
+              <a:t>將祢的光照亮在我們身上</a:t>
+            </a:r>
+            <a:endParaRPr lang="en-US" altLang="zh-TW" sz="5400" b="1" dirty="0" smtClean="0">
+              <a:solidFill>
+                <a:srgbClr val="660033"/>
+              </a:solidFill>
+              <a:latin typeface="微軟正黑體" pitchFamily="34" charset="-120"/>
+              <a:ea typeface="微軟正黑體" pitchFamily="34" charset="-120"/>
+            </a:endParaRPr>
+          </a:p>
+          <a:p>
+            <a:pPr algn="ctr">
+              <a:buNone/>
+            </a:pPr>
             <a:r>
               <a:rPr lang="zh-TW" altLang="en-US" sz="5400" b="1" dirty="0" smtClean="0">
                 <a:solidFill>
@@ -3119,7 +3148,7 @@
                 <a:latin typeface="微軟正黑體" pitchFamily="34" charset="-120"/>
                 <a:ea typeface="微軟正黑體" pitchFamily="34" charset="-120"/>
               </a:rPr>
-              <a:t>身上</a:t>
+              <a:t>讓我們在祢面前毫無隱藏</a:t>
             </a:r>
             <a:endParaRPr lang="en-US" altLang="zh-TW" sz="5400" b="1" dirty="0" smtClean="0">
               <a:solidFill>
@@ -3141,8 +3170,20 @@
                 <a:latin typeface="微軟正黑體" pitchFamily="34" charset="-120"/>
                 <a:ea typeface="微軟正黑體" pitchFamily="34" charset="-120"/>
               </a:rPr>
-              <a:t>讓</a:t>
-            </a:r>
+              <a:t>打開我們的心  我要看見</a:t>
+            </a:r>
+            <a:endParaRPr lang="en-US" altLang="zh-TW" sz="5400" b="1" dirty="0" smtClean="0">
+              <a:solidFill>
+                <a:srgbClr val="660033"/>
+              </a:solidFill>
+              <a:latin typeface="微軟正黑體" pitchFamily="34" charset="-120"/>
+              <a:ea typeface="微軟正黑體" pitchFamily="34" charset="-120"/>
+            </a:endParaRPr>
+          </a:p>
+          <a:p>
+            <a:pPr algn="ctr">
+              <a:buNone/>
+            </a:pPr>
             <a:r>
               <a:rPr lang="zh-TW" altLang="en-US" sz="5400" b="1" dirty="0" smtClean="0">
                 <a:solidFill>
@@ -3151,111 +3192,7 @@
                 <a:latin typeface="微軟正黑體" pitchFamily="34" charset="-120"/>
                 <a:ea typeface="微軟正黑體" pitchFamily="34" charset="-120"/>
               </a:rPr>
-              <a:t>我們在祢面前毫無</a:t>
-            </a:r>
-            <a:r>
-              <a:rPr lang="zh-TW" altLang="en-US" sz="5400" b="1" dirty="0" smtClean="0">
-                <a:solidFill>
-                  <a:srgbClr val="660033"/>
-                </a:solidFill>
-                <a:latin typeface="微軟正黑體" pitchFamily="34" charset="-120"/>
-                <a:ea typeface="微軟正黑體" pitchFamily="34" charset="-120"/>
-              </a:rPr>
-              <a:t>隱藏</a:t>
-            </a:r>
-            <a:endParaRPr lang="en-US" altLang="zh-TW" sz="5400" b="1" dirty="0" smtClean="0">
-              <a:solidFill>
-                <a:srgbClr val="660033"/>
-              </a:solidFill>
-              <a:latin typeface="微軟正黑體" pitchFamily="34" charset="-120"/>
-              <a:ea typeface="微軟正黑體" pitchFamily="34" charset="-120"/>
-            </a:endParaRPr>
-          </a:p>
-          <a:p>
-            <a:pPr algn="ctr">
-              <a:buNone/>
-            </a:pPr>
-            <a:r>
-              <a:rPr lang="zh-TW" altLang="en-US" sz="5400" b="1" dirty="0" smtClean="0">
-                <a:solidFill>
-                  <a:srgbClr val="660033"/>
-                </a:solidFill>
-                <a:latin typeface="微軟正黑體" pitchFamily="34" charset="-120"/>
-                <a:ea typeface="微軟正黑體" pitchFamily="34" charset="-120"/>
-              </a:rPr>
-              <a:t>打開</a:t>
-            </a:r>
-            <a:r>
-              <a:rPr lang="zh-TW" altLang="en-US" sz="5400" b="1" dirty="0" smtClean="0">
-                <a:solidFill>
-                  <a:srgbClr val="660033"/>
-                </a:solidFill>
-                <a:latin typeface="微軟正黑體" pitchFamily="34" charset="-120"/>
-                <a:ea typeface="微軟正黑體" pitchFamily="34" charset="-120"/>
-              </a:rPr>
-              <a:t>我們的</a:t>
-            </a:r>
-            <a:r>
-              <a:rPr lang="zh-TW" altLang="en-US" sz="5400" b="1" dirty="0" smtClean="0">
-                <a:solidFill>
-                  <a:srgbClr val="660033"/>
-                </a:solidFill>
-                <a:latin typeface="微軟正黑體" pitchFamily="34" charset="-120"/>
-                <a:ea typeface="微軟正黑體" pitchFamily="34" charset="-120"/>
-              </a:rPr>
-              <a:t>心  我</a:t>
-            </a:r>
-            <a:r>
-              <a:rPr lang="zh-TW" altLang="en-US" sz="5400" b="1" dirty="0" smtClean="0">
-                <a:solidFill>
-                  <a:srgbClr val="660033"/>
-                </a:solidFill>
-                <a:latin typeface="微軟正黑體" pitchFamily="34" charset="-120"/>
-                <a:ea typeface="微軟正黑體" pitchFamily="34" charset="-120"/>
-              </a:rPr>
-              <a:t>要</a:t>
-            </a:r>
-            <a:r>
-              <a:rPr lang="zh-TW" altLang="en-US" sz="5400" b="1" dirty="0" smtClean="0">
-                <a:solidFill>
-                  <a:srgbClr val="660033"/>
-                </a:solidFill>
-                <a:latin typeface="微軟正黑體" pitchFamily="34" charset="-120"/>
-                <a:ea typeface="微軟正黑體" pitchFamily="34" charset="-120"/>
-              </a:rPr>
-              <a:t>看見</a:t>
-            </a:r>
-            <a:endParaRPr lang="en-US" altLang="zh-TW" sz="5400" b="1" dirty="0" smtClean="0">
-              <a:solidFill>
-                <a:srgbClr val="660033"/>
-              </a:solidFill>
-              <a:latin typeface="微軟正黑體" pitchFamily="34" charset="-120"/>
-              <a:ea typeface="微軟正黑體" pitchFamily="34" charset="-120"/>
-            </a:endParaRPr>
-          </a:p>
-          <a:p>
-            <a:pPr algn="ctr">
-              <a:buNone/>
-            </a:pPr>
-            <a:r>
-              <a:rPr lang="zh-TW" altLang="en-US" sz="5400" b="1" dirty="0" smtClean="0">
-                <a:solidFill>
-                  <a:srgbClr val="660033"/>
-                </a:solidFill>
-                <a:latin typeface="微軟正黑體" pitchFamily="34" charset="-120"/>
-                <a:ea typeface="微軟正黑體" pitchFamily="34" charset="-120"/>
-              </a:rPr>
-              <a:t>祢</a:t>
-            </a:r>
-            <a:r>
-              <a:rPr lang="zh-TW" altLang="en-US" sz="5400" b="1" dirty="0" smtClean="0">
-                <a:solidFill>
-                  <a:srgbClr val="660033"/>
-                </a:solidFill>
-                <a:latin typeface="微軟正黑體" pitchFamily="34" charset="-120"/>
-                <a:ea typeface="微軟正黑體" pitchFamily="34" charset="-120"/>
-              </a:rPr>
-              <a:t>的國度就在這裡彰顯</a:t>
+              <a:t>祢的國度就在這裡彰顯</a:t>
             </a:r>
             <a:endParaRPr lang="zh-TW" altLang="en-US" sz="5400" b="1" dirty="0">
               <a:solidFill>
@@ -3423,6 +3360,13 @@
               </a:rPr>
               <a:t>聖潔 大君王</a:t>
             </a:r>
+            <a:endParaRPr lang="zh-TW" altLang="en-US" sz="5400" b="1" dirty="0" smtClean="0">
+              <a:solidFill>
+                <a:srgbClr val="660033"/>
+              </a:solidFill>
+              <a:latin typeface="微軟正黑體" pitchFamily="34" charset="-120"/>
+              <a:ea typeface="微軟正黑體" pitchFamily="34" charset="-120"/>
+            </a:endParaRPr>
           </a:p>
         </p:txBody>
       </p:sp>
@@ -3499,7 +3443,7 @@
         <p:spPr/>
         <p:txBody>
           <a:bodyPr>
-            <a:normAutofit lnSpcReduction="10000"/>
+            <a:normAutofit/>
           </a:bodyPr>
           <a:lstStyle/>
           <a:p>
@@ -3514,7 +3458,29 @@
                 <a:latin typeface="微軟正黑體" pitchFamily="34" charset="-120"/>
                 <a:ea typeface="微軟正黑體" pitchFamily="34" charset="-120"/>
               </a:rPr>
-              <a:t>榮耀耶穌　耶穌　耶穌　</a:t>
+              <a:t>榮耀耶穌　耶穌　耶穌　主耶穌 </a:t>
+            </a:r>
+            <a:endParaRPr lang="zh-TW" altLang="en-US" sz="5400" b="1" dirty="0" smtClean="0">
+              <a:solidFill>
+                <a:srgbClr val="660033"/>
+              </a:solidFill>
+              <a:latin typeface="微軟正黑體" pitchFamily="34" charset="-120"/>
+              <a:ea typeface="微軟正黑體" pitchFamily="34" charset="-120"/>
+            </a:endParaRPr>
+          </a:p>
+          <a:p>
+            <a:pPr algn="ctr">
+              <a:buNone/>
+            </a:pPr>
+            <a:r>
+              <a:rPr lang="zh-TW" altLang="en-US" sz="5400" b="1" dirty="0" smtClean="0">
+                <a:solidFill>
+                  <a:srgbClr val="660033"/>
+                </a:solidFill>
+                <a:latin typeface="微軟正黑體" pitchFamily="34" charset="-120"/>
+                <a:ea typeface="微軟正黑體" pitchFamily="34" charset="-120"/>
+              </a:rPr>
+              <a:t>歡迎祢在我們中間 </a:t>
             </a:r>
             <a:endParaRPr lang="en-US" altLang="zh-TW" sz="5400" b="1" dirty="0" smtClean="0">
               <a:solidFill>
@@ -3536,8 +3502,20 @@
                 <a:latin typeface="微軟正黑體" pitchFamily="34" charset="-120"/>
                 <a:ea typeface="微軟正黑體" pitchFamily="34" charset="-120"/>
               </a:rPr>
-              <a:t>主</a:t>
-            </a:r>
+              <a:t>榮耀耶穌　耶穌　耶穌　主耶穌 </a:t>
+            </a:r>
+            <a:endParaRPr lang="zh-TW" altLang="en-US" sz="5400" b="1" dirty="0" smtClean="0">
+              <a:solidFill>
+                <a:srgbClr val="660033"/>
+              </a:solidFill>
+              <a:latin typeface="微軟正黑體" pitchFamily="34" charset="-120"/>
+              <a:ea typeface="微軟正黑體" pitchFamily="34" charset="-120"/>
+            </a:endParaRPr>
+          </a:p>
+          <a:p>
+            <a:pPr algn="ctr">
+              <a:buNone/>
+            </a:pPr>
             <a:r>
               <a:rPr lang="zh-TW" altLang="en-US" sz="5400" b="1" dirty="0" smtClean="0">
                 <a:solidFill>
@@ -3546,114 +3524,15 @@
                 <a:latin typeface="微軟正黑體" pitchFamily="34" charset="-120"/>
                 <a:ea typeface="微軟正黑體" pitchFamily="34" charset="-120"/>
               </a:rPr>
-              <a:t>耶穌 歡迎祢在我們中間 </a:t>
-            </a:r>
-            <a:endParaRPr lang="en-US" altLang="zh-TW" sz="5400" b="1" dirty="0" smtClean="0">
+              <a:t>祢是配得榮耀  大君王</a:t>
+            </a:r>
+            <a:endParaRPr lang="zh-TW" altLang="en-US" sz="5400" b="1" dirty="0" smtClean="0">
               <a:solidFill>
                 <a:srgbClr val="660033"/>
               </a:solidFill>
               <a:latin typeface="微軟正黑體" pitchFamily="34" charset="-120"/>
               <a:ea typeface="微軟正黑體" pitchFamily="34" charset="-120"/>
             </a:endParaRPr>
-          </a:p>
-          <a:p>
-            <a:pPr algn="ctr">
-              <a:buNone/>
-            </a:pPr>
-            <a:r>
-              <a:rPr lang="zh-TW" altLang="en-US" sz="5400" b="1" dirty="0" smtClean="0">
-                <a:solidFill>
-                  <a:srgbClr val="660033"/>
-                </a:solidFill>
-                <a:latin typeface="微軟正黑體" pitchFamily="34" charset="-120"/>
-                <a:ea typeface="微軟正黑體" pitchFamily="34" charset="-120"/>
-              </a:rPr>
-              <a:t>榮耀</a:t>
-            </a:r>
-            <a:r>
-              <a:rPr lang="zh-TW" altLang="en-US" sz="5400" b="1" dirty="0" smtClean="0">
-                <a:solidFill>
-                  <a:srgbClr val="660033"/>
-                </a:solidFill>
-                <a:latin typeface="微軟正黑體" pitchFamily="34" charset="-120"/>
-                <a:ea typeface="微軟正黑體" pitchFamily="34" charset="-120"/>
-              </a:rPr>
-              <a:t>耶穌　耶穌　耶穌　</a:t>
-            </a:r>
-            <a:endParaRPr lang="en-US" altLang="zh-TW" sz="5400" b="1" dirty="0" smtClean="0">
-              <a:solidFill>
-                <a:srgbClr val="660033"/>
-              </a:solidFill>
-              <a:latin typeface="微軟正黑體" pitchFamily="34" charset="-120"/>
-              <a:ea typeface="微軟正黑體" pitchFamily="34" charset="-120"/>
-            </a:endParaRPr>
-          </a:p>
-          <a:p>
-            <a:pPr algn="ctr">
-              <a:buNone/>
-            </a:pPr>
-            <a:r>
-              <a:rPr lang="zh-TW" altLang="en-US" sz="5400" b="1" dirty="0" smtClean="0">
-                <a:solidFill>
-                  <a:srgbClr val="660033"/>
-                </a:solidFill>
-                <a:latin typeface="微軟正黑體" pitchFamily="34" charset="-120"/>
-                <a:ea typeface="微軟正黑體" pitchFamily="34" charset="-120"/>
-              </a:rPr>
-              <a:t>主</a:t>
-            </a:r>
-            <a:r>
-              <a:rPr lang="zh-TW" altLang="en-US" sz="5400" b="1" dirty="0" smtClean="0">
-                <a:solidFill>
-                  <a:srgbClr val="660033"/>
-                </a:solidFill>
-                <a:latin typeface="微軟正黑體" pitchFamily="34" charset="-120"/>
-                <a:ea typeface="微軟正黑體" pitchFamily="34" charset="-120"/>
-              </a:rPr>
-              <a:t>耶穌 祢是配得</a:t>
-            </a:r>
-            <a:r>
-              <a:rPr lang="zh-TW" altLang="en-US" sz="5400" b="1" dirty="0" smtClean="0">
-                <a:solidFill>
-                  <a:srgbClr val="660033"/>
-                </a:solidFill>
-                <a:latin typeface="微軟正黑體" pitchFamily="34" charset="-120"/>
-                <a:ea typeface="微軟正黑體" pitchFamily="34" charset="-120"/>
-              </a:rPr>
-              <a:t>榮耀</a:t>
-            </a:r>
-            <a:endParaRPr lang="en-US" altLang="zh-TW" sz="5400" b="1" dirty="0" smtClean="0">
-              <a:solidFill>
-                <a:srgbClr val="660033"/>
-              </a:solidFill>
-              <a:latin typeface="微軟正黑體" pitchFamily="34" charset="-120"/>
-              <a:ea typeface="微軟正黑體" pitchFamily="34" charset="-120"/>
-            </a:endParaRPr>
-          </a:p>
-          <a:p>
-            <a:pPr algn="ctr">
-              <a:buNone/>
-            </a:pPr>
-            <a:r>
-              <a:rPr lang="zh-TW" altLang="en-US" sz="5400" b="1" dirty="0" smtClean="0">
-                <a:solidFill>
-                  <a:srgbClr val="660033"/>
-                </a:solidFill>
-                <a:latin typeface="微軟正黑體" pitchFamily="34" charset="-120"/>
-                <a:ea typeface="微軟正黑體" pitchFamily="34" charset="-120"/>
-              </a:rPr>
-              <a:t>大</a:t>
-            </a:r>
-            <a:r>
-              <a:rPr lang="zh-TW" altLang="en-US" sz="5400" b="1" dirty="0" smtClean="0">
-                <a:solidFill>
-                  <a:srgbClr val="660033"/>
-                </a:solidFill>
-                <a:latin typeface="微軟正黑體" pitchFamily="34" charset="-120"/>
-                <a:ea typeface="微軟正黑體" pitchFamily="34" charset="-120"/>
-              </a:rPr>
-              <a:t>君王</a:t>
-            </a:r>
           </a:p>
         </p:txBody>
       </p:sp>
@@ -3943,7 +3822,10 @@
       </a:bgFillStyleLst>
     </a:fmtScheme>
   </a:themeElements>
-  <a:objectDefaults/>
-  <a:extraClrSchemeLst/>
+  <a:extLst>
+    <a:ext uri="{05A4C25C-085E-4340-85A3-A5531E510DB2}">
+      <thm15:themeFamily xmlns:thm15="http://schemas.microsoft.com/office/thememl/2012/main" name="Office Theme" id="{62F939B6-93AF-4DB8-9C6B-D6C7DFDC589F}" vid="{4A3C46E8-61CC-4603-A589-7422A47A8E4A}"/>
+    </a:ext>
+  </a:extLst>
 </a:theme>
 </file>